--- a/LectureSlides/17Design1.pptx
+++ b/LectureSlides/17Design1.pptx
@@ -254,7 +254,7 @@
           <a:p>
             <a:fld id="{798376BB-0133-4A1F-AB50-8F7418DC3C7A}" type="datetimeFigureOut">
               <a:rPr lang="en-US" smtClean="0"/>
-              <a:t>11/19/2024</a:t>
+              <a:t>12/20/2024</a:t>
             </a:fld>
             <a:endParaRPr lang="en-US"/>
           </a:p>
@@ -919,7 +919,7 @@
           <a:p>
             <a:fld id="{3B4A0DFC-F603-49B3-92DC-4314F9B70182}" type="datetime1">
               <a:rPr lang="en-US" smtClean="0"/>
-              <a:t>11/19/2024</a:t>
+              <a:t>12/20/2024</a:t>
             </a:fld>
             <a:endParaRPr lang="en-US"/>
           </a:p>
@@ -1127,7 +1127,7 @@
           <a:p>
             <a:fld id="{44E07FCE-B1C6-4B40-8646-92A79898B5AD}" type="datetime1">
               <a:rPr lang="en-US" smtClean="0"/>
-              <a:t>11/19/2024</a:t>
+              <a:t>12/20/2024</a:t>
             </a:fld>
             <a:endParaRPr lang="en-US"/>
           </a:p>
@@ -1383,7 +1383,7 @@
           <a:p>
             <a:fld id="{DF7BA5AD-B0F8-4503-ABE5-3131372F5E41}" type="datetime1">
               <a:rPr lang="en-US" smtClean="0"/>
-              <a:t>11/19/2024</a:t>
+              <a:t>12/20/2024</a:t>
             </a:fld>
             <a:endParaRPr lang="en-US"/>
           </a:p>
@@ -1568,7 +1568,7 @@
           <a:p>
             <a:fld id="{311EB06D-26A6-4C43-8277-99F31CD5B1B5}" type="datetime1">
               <a:rPr lang="en-US" smtClean="0"/>
-              <a:t>11/19/2024</a:t>
+              <a:t>12/20/2024</a:t>
             </a:fld>
             <a:endParaRPr lang="en-US"/>
           </a:p>
@@ -1911,7 +1911,7 @@
           <a:p>
             <a:fld id="{7251C776-B46C-4540-9846-946AC493C078}" type="datetime1">
               <a:rPr lang="en-US" smtClean="0"/>
-              <a:t>11/19/2024</a:t>
+              <a:t>12/20/2024</a:t>
             </a:fld>
             <a:endParaRPr lang="en-US"/>
           </a:p>
@@ -2216,7 +2216,7 @@
           <a:p>
             <a:fld id="{BB782773-779E-4E5F-BE65-5C82215AC1C2}" type="datetime1">
               <a:rPr lang="en-US" smtClean="0"/>
-              <a:t>11/19/2024</a:t>
+              <a:t>12/20/2024</a:t>
             </a:fld>
             <a:endParaRPr lang="en-US"/>
           </a:p>
@@ -2625,7 +2625,7 @@
           <a:p>
             <a:fld id="{8BBF6F25-7BA3-486F-9F1E-3E151C128E18}" type="datetime1">
               <a:rPr lang="en-US" smtClean="0"/>
-              <a:t>11/19/2024</a:t>
+              <a:t>12/20/2024</a:t>
             </a:fld>
             <a:endParaRPr lang="en-US"/>
           </a:p>
@@ -2743,7 +2743,7 @@
           <a:p>
             <a:fld id="{2EDED3F0-DC71-40A6-8BD5-999A523EF1D6}" type="datetime1">
               <a:rPr lang="en-US" smtClean="0"/>
-              <a:t>11/19/2024</a:t>
+              <a:t>12/20/2024</a:t>
             </a:fld>
             <a:endParaRPr lang="en-US"/>
           </a:p>
@@ -2914,7 +2914,7 @@
           <a:p>
             <a:fld id="{ABBC6905-E1EF-4604-BE16-17126F6AF6F5}" type="datetime1">
               <a:rPr lang="en-US" smtClean="0"/>
-              <a:t>11/19/2024</a:t>
+              <a:t>12/20/2024</a:t>
             </a:fld>
             <a:endParaRPr lang="en-US"/>
           </a:p>
@@ -3283,7 +3283,7 @@
           <a:p>
             <a:fld id="{B42FE70B-855B-456C-8055-272A72415E6A}" type="datetime1">
               <a:rPr lang="en-US" smtClean="0"/>
-              <a:t>11/19/2024</a:t>
+              <a:t>12/20/2024</a:t>
             </a:fld>
             <a:endParaRPr lang="en-US"/>
           </a:p>
@@ -3660,7 +3660,7 @@
           <a:p>
             <a:fld id="{6C99EF0D-AE8A-467F-B3AA-2668B4F8126E}" type="datetime1">
               <a:rPr lang="en-US" smtClean="0"/>
-              <a:t>11/19/2024</a:t>
+              <a:t>12/20/2024</a:t>
             </a:fld>
             <a:endParaRPr lang="en-US"/>
           </a:p>
@@ -3947,7 +3947,7 @@
           <a:p>
             <a:fld id="{4CC437C6-6CA9-4A4C-9CAF-87DD1B8E03E5}" type="datetime1">
               <a:rPr lang="en-US" smtClean="0"/>
-              <a:t>11/19/2024</a:t>
+              <a:t>12/20/2024</a:t>
             </a:fld>
             <a:endParaRPr lang="en-US"/>
           </a:p>
@@ -4495,7 +4495,7 @@
           <a:p>
             <a:r>
               <a:rPr lang="en-US" dirty="0"/>
-              <a:t>08 – Human-Computer Interaction 1</a:t>
+              <a:t>17 – Human-Computer Interaction 1</a:t>
             </a:r>
           </a:p>
         </p:txBody>
@@ -7696,7 +7696,7 @@
           <a:p>
             <a:r>
               <a:rPr lang="en-US" dirty="0"/>
-              <a:t>2. User studies: Dec 3, in-class (+ half-lecture)</a:t>
+              <a:t>2. User studies: April 11, in-class</a:t>
             </a:r>
           </a:p>
         </p:txBody>
@@ -9051,18 +9051,18 @@
             <a:pPr algn="ctr"/>
             <a:r>
               <a:rPr lang="en-US" sz="4400" dirty="0"/>
-              <a:t>Thou art I</a:t>
+              <a:t>I am thou</a:t>
             </a:r>
             <a:br>
               <a:rPr lang="en-US" sz="4400" dirty="0"/>
             </a:br>
             <a:r>
               <a:rPr lang="en-US" sz="4400" dirty="0" err="1"/>
-              <a:t>I</a:t>
+              <a:t>Thou</a:t>
             </a:r>
             <a:r>
               <a:rPr lang="en-US" sz="4400" dirty="0"/>
-              <a:t> art thou</a:t>
+              <a:t> art I</a:t>
             </a:r>
           </a:p>
         </p:txBody>
